--- a/达美交流网络规划部分En.pptx
+++ b/达美交流网络规划部分En.pptx
@@ -13198,7 +13198,7 @@
                 <a:ea typeface="微软雅黑 Light" charset="0"/>
                 <a:cs typeface="仿宋" charset="0"/>
               </a:rPr>
-              <a:t>In 2020, CZ will carry 30.4 million passengers in Beijing - 16 million in Capital, 14.4 million in the new airport.</a:t>
+              <a:t>In 2020, CZ will carry around 30.4 million passengers in Beijing - 16 million in Capital, 14.4 million in the new airport.</a:t>
             </a:r>
             <a:endParaRPr lang="en-US" altLang="zh-CN" b="0" u="none">
               <a:latin typeface="微软雅黑 Light" charset="0"/>
@@ -13634,7 +13634,7 @@
         </p:nvSpPr>
         <p:spPr>
           <a:xfrm>
-            <a:off x="413385" y="1846580"/>
+            <a:off x="413385" y="2127250"/>
             <a:ext cx="8265160" cy="2850515"/>
           </a:xfrm>
           <a:prstGeom prst="rect">
@@ -13659,7 +13659,7 @@
                 <a:cs typeface="仿宋_GB2312" charset="0"/>
                 <a:sym typeface="+mn-ea"/>
               </a:rPr>
-              <a:t>The new Beijing airport is set to complete in 2019, with 4 runways in the first phase.</a:t>
+              <a:t>The Daxing(new Beijing) airport is set to complete in 2019, with 4 runways in the first phase.</a:t>
             </a:r>
             <a:endParaRPr lang="en-US" sz="2000">
               <a:uFillTx/>
@@ -14109,6 +14109,41 @@
               <a:latin typeface="微软雅黑" pitchFamily="34" charset="-122"/>
               <a:ea typeface="微软雅黑" pitchFamily="34" charset="-122"/>
               <a:sym typeface="Arial" pitchFamily="34" charset="0"/>
+            </a:endParaRPr>
+          </a:p>
+        </p:txBody>
+      </p:sp>
+      <p:sp>
+        <p:nvSpPr>
+          <p:cNvPr id="2" name="文本框 1"/>
+          <p:cNvSpPr txBox="1"/>
+          <p:nvPr/>
+        </p:nvSpPr>
+        <p:spPr>
+          <a:xfrm>
+            <a:off x="883285" y="1344295"/>
+            <a:ext cx="5530215" cy="483235"/>
+          </a:xfrm>
+          <a:prstGeom prst="rect">
+            <a:avLst/>
+          </a:prstGeom>
+          <a:noFill/>
+        </p:spPr>
+        <p:txBody>
+          <a:bodyPr wrap="square" rtlCol="0">
+            <a:spAutoFit/>
+          </a:bodyPr>
+          <a:p>
+            <a:r>
+              <a:rPr lang="en-US" altLang="zh-CN" sz="2400">
+                <a:latin typeface="微软雅黑" charset="0"/>
+                <a:ea typeface="微软雅黑" charset="0"/>
+              </a:rPr>
+              <a:t>According to government's plan:</a:t>
+            </a:r>
+            <a:endParaRPr lang="en-US" altLang="zh-CN" sz="2400">
+              <a:latin typeface="微软雅黑" charset="0"/>
+              <a:ea typeface="微软雅黑" charset="0"/>
             </a:endParaRPr>
           </a:p>
         </p:txBody>
@@ -14139,8 +14174,8 @@
         </p:nvSpPr>
         <p:spPr>
           <a:xfrm>
-            <a:off x="629920" y="949960"/>
-            <a:ext cx="8022590" cy="2849245"/>
+            <a:off x="510540" y="1060450"/>
+            <a:ext cx="8209280" cy="2849245"/>
           </a:xfrm>
           <a:prstGeom prst="rect">
             <a:avLst/>
@@ -14166,7 +14201,7 @@
                 <a:ea typeface="微软雅黑 Light" charset="0"/>
                 <a:cs typeface="仿宋_GB2312" charset="0"/>
               </a:rPr>
-              <a:t>As Beijing Capital airport capacity has reached its full potential, a lot of travelling need is being supressed, and will be released once the new airport  is launched.</a:t>
+              <a:t>As Beijing Capital airport has already reached its full potential, passenger growth is being supressed, and will be released once the new airport  is launched.</a:t>
             </a:r>
             <a:endParaRPr lang="en-US" altLang="zh-CN" b="0" u="none">
               <a:latin typeface="微软雅黑 Light" charset="0"/>
@@ -14198,7 +14233,7 @@
                 <a:cs typeface="仿宋_GB2312" charset="0"/>
                 <a:sym typeface="+mn-ea"/>
               </a:rPr>
-              <a:t>Take Guangzhou and Shanghai for example, after new airports were completed(CAN and PVG), they recorded passenger increase of 37% and 59%.</a:t>
+              <a:t>Take Guangzhou and Shanghai for example, after new airports were completed(CAN and PVG), the passenger throughput increased by 37% and 59%.</a:t>
             </a:r>
             <a:endParaRPr lang="zh-CN" altLang="en-US">
               <a:latin typeface="微软雅黑 Light" charset="0"/>
@@ -14230,7 +14265,7 @@
                 <a:ea typeface="微软雅黑 Light" charset="0"/>
                 <a:cs typeface="仿宋_GB2312" charset="0"/>
               </a:rPr>
-              <a:t>We estimated that after the completion of the new airport, there will be 40% (36 million) passenger increase in Beijing. </a:t>
+              <a:t>We expect that after the completion of the new airport, there will be 40% (36 million) passenger increase in Beijing. </a:t>
             </a:r>
             <a:endParaRPr lang="zh-CN" altLang="en-US" b="0" u="none">
               <a:latin typeface="微软雅黑 Light" charset="0"/>
@@ -14677,7 +14712,7 @@
         </p:nvSpPr>
         <p:spPr>
           <a:xfrm>
-            <a:off x="516890" y="3860800"/>
+            <a:off x="525780" y="3869055"/>
             <a:ext cx="8227060" cy="1936115"/>
           </a:xfrm>
           <a:prstGeom prst="rect">
@@ -15138,7 +15173,7 @@
                 <a:ea typeface="微软雅黑" pitchFamily="34" charset="-122"/>
                 <a:sym typeface="Arial" pitchFamily="34" charset="0"/>
               </a:rPr>
-              <a:t>CZ's Migration Plan</a:t>
+              <a:t>CZ's Transit Plan to the New Airport</a:t>
             </a:r>
             <a:endParaRPr lang="en-US" altLang="zh-CN" sz="2800" b="1">
               <a:solidFill>
@@ -15494,7 +15529,7 @@
         <p:spPr>
           <a:xfrm>
             <a:off x="505460" y="1183640"/>
-            <a:ext cx="8161020" cy="2240915"/>
+            <a:ext cx="8161020" cy="2545715"/>
           </a:xfrm>
           <a:prstGeom prst="rect">
             <a:avLst/>
@@ -15537,7 +15572,7 @@
                 <a:ea typeface="微软雅黑 Light" charset="0"/>
                 <a:cs typeface="仿宋_GB2312" charset="0"/>
               </a:rPr>
-              <a:t>, deal with the relation of two airports. </a:t>
+              <a:t>, deal with CZ's transition between two Beijing airports. </a:t>
             </a:r>
             <a:endParaRPr lang="en-US" altLang="zh-CN" sz="2000" b="0" u="none">
               <a:latin typeface="微软雅黑 Light" charset="0"/>
@@ -15567,7 +15602,7 @@
                 <a:ea typeface="微软雅黑 Light" charset="0"/>
                 <a:cs typeface="仿宋_GB2312" charset="0"/>
               </a:rPr>
-              <a:t>Build-up period (2020-2025), develop the framework of domestic and international routes. </a:t>
+              <a:t>Build-up period (2020-2025), develop the framework of domestic and international routes in the new airport. </a:t>
             </a:r>
             <a:endParaRPr lang="en-US" altLang="zh-CN" sz="2000" b="0" u="none">
               <a:latin typeface="微软雅黑 Light" charset="0"/>
@@ -15597,7 +15632,7 @@
                 <a:ea typeface="微软雅黑 Light" charset="0"/>
                 <a:cs typeface="仿宋_GB2312" charset="0"/>
               </a:rPr>
-              <a:t>Full scale period (2026-2030), increase the coverage and frequency of network.</a:t>
+              <a:t>Full scale period (2026-2030), increase the coverage and frequency of network in the new airport.</a:t>
             </a:r>
             <a:endParaRPr lang="zh-CN" altLang="en-US" sz="2000" b="0" u="none">
               <a:latin typeface="微软雅黑 Light" charset="0"/>
@@ -16141,7 +16176,10 @@
             <a:spAutoFit/>
           </a:bodyPr>
           <a:p>
-            <a:pPr marL="0" indent="0" algn="l"/>
+            <a:pPr marL="342900" indent="-342900" algn="l">
+              <a:buFont typeface="Arial" charset="0"/>
+              <a:buChar char="•"/>
+            </a:pPr>
             <a:r>
               <a:rPr lang="en-US" altLang="zh-CN" sz="2000" b="0" u="none">
                 <a:latin typeface="微软雅黑 Light" charset="0"/>
@@ -17823,7 +17861,7 @@
                 <a:cs typeface="仿宋_GB2312" charset="0"/>
                 <a:sym typeface="+mn-ea"/>
               </a:rPr>
-              <a:t>Local office or sales representative is already available    </a:t>
+              <a:t>Local office or sales representative is available    </a:t>
             </a:r>
             <a:endParaRPr lang="en-US" altLang="zh-CN">
               <a:latin typeface="微软雅黑 Light" charset="0"/>
@@ -18430,6 +18468,171 @@
           </a:prstGeom>
         </p:spPr>
       </p:pic>
+      <p:sp>
+        <p:nvSpPr>
+          <p:cNvPr id="3" name="椭圆 2"/>
+          <p:cNvSpPr/>
+          <p:nvPr/>
+        </p:nvSpPr>
+        <p:spPr>
+          <a:xfrm>
+            <a:off x="4184015" y="3521710"/>
+            <a:ext cx="612775" cy="1148715"/>
+          </a:xfrm>
+          <a:prstGeom prst="ellipse">
+            <a:avLst/>
+          </a:prstGeom>
+          <a:noFill/>
+          <a:ln w="28575" cmpd="sng">
+            <a:solidFill>
+              <a:srgbClr val="00B050"/>
+            </a:solidFill>
+            <a:prstDash val="sysDot"/>
+          </a:ln>
+          <a:extLst>
+            <a:ext uri="{909E8E84-426E-40DD-AFC4-6F175D3DCCD1}">
+              <a14:hiddenFill xmlns:a14="http://schemas.microsoft.com/office/drawing/2010/main">
+                <a:solidFill>
+                  <a:schemeClr val="accent2"/>
+                </a:solidFill>
+              </a14:hiddenFill>
+            </a:ext>
+          </a:extLst>
+        </p:spPr>
+        <p:style>
+          <a:lnRef idx="2">
+            <a:schemeClr val="accent1">
+              <a:shade val="50000"/>
+            </a:schemeClr>
+          </a:lnRef>
+          <a:fillRef idx="1">
+            <a:schemeClr val="accent1"/>
+          </a:fillRef>
+          <a:effectRef idx="0">
+            <a:schemeClr val="accent1"/>
+          </a:effectRef>
+          <a:fontRef idx="minor">
+            <a:schemeClr val="lt1"/>
+          </a:fontRef>
+        </p:style>
+        <p:txBody>
+          <a:bodyPr rtlCol="0" anchor="ctr"/>
+          <a:p>
+            <a:pPr algn="ctr"/>
+            <a:endParaRPr lang="zh-CN" altLang="en-US"/>
+          </a:p>
+        </p:txBody>
+      </p:sp>
+      <p:sp>
+        <p:nvSpPr>
+          <p:cNvPr id="4" name="椭圆 3"/>
+          <p:cNvSpPr/>
+          <p:nvPr/>
+        </p:nvSpPr>
+        <p:spPr>
+          <a:xfrm>
+            <a:off x="1623060" y="3522345"/>
+            <a:ext cx="1088390" cy="1513840"/>
+          </a:xfrm>
+          <a:prstGeom prst="ellipse">
+            <a:avLst/>
+          </a:prstGeom>
+          <a:noFill/>
+          <a:ln w="28575" cmpd="sng">
+            <a:solidFill>
+              <a:srgbClr val="00B050"/>
+            </a:solidFill>
+            <a:prstDash val="sysDot"/>
+          </a:ln>
+          <a:extLst>
+            <a:ext uri="{909E8E84-426E-40DD-AFC4-6F175D3DCCD1}">
+              <a14:hiddenFill xmlns:a14="http://schemas.microsoft.com/office/drawing/2010/main">
+                <a:solidFill>
+                  <a:schemeClr val="accent2"/>
+                </a:solidFill>
+              </a14:hiddenFill>
+            </a:ext>
+          </a:extLst>
+        </p:spPr>
+        <p:style>
+          <a:lnRef idx="2">
+            <a:schemeClr val="accent1">
+              <a:shade val="50000"/>
+            </a:schemeClr>
+          </a:lnRef>
+          <a:fillRef idx="1">
+            <a:schemeClr val="accent1"/>
+          </a:fillRef>
+          <a:effectRef idx="0">
+            <a:schemeClr val="accent1"/>
+          </a:effectRef>
+          <a:fontRef idx="minor">
+            <a:schemeClr val="lt1"/>
+          </a:fontRef>
+        </p:style>
+        <p:txBody>
+          <a:bodyPr rtlCol="0" anchor="ctr"/>
+          <a:p>
+            <a:pPr algn="ctr"/>
+            <a:endParaRPr lang="zh-CN" altLang="en-US"/>
+          </a:p>
+        </p:txBody>
+      </p:sp>
+      <p:sp>
+        <p:nvSpPr>
+          <p:cNvPr id="7" name="椭圆 6"/>
+          <p:cNvSpPr/>
+          <p:nvPr/>
+        </p:nvSpPr>
+        <p:spPr>
+          <a:xfrm>
+            <a:off x="2889885" y="2771775"/>
+            <a:ext cx="1547495" cy="978535"/>
+          </a:xfrm>
+          <a:prstGeom prst="ellipse">
+            <a:avLst/>
+          </a:prstGeom>
+          <a:noFill/>
+          <a:ln w="28575" cmpd="sng">
+            <a:solidFill>
+              <a:srgbClr val="00B050"/>
+            </a:solidFill>
+            <a:prstDash val="sysDot"/>
+          </a:ln>
+          <a:extLst>
+            <a:ext uri="{909E8E84-426E-40DD-AFC4-6F175D3DCCD1}">
+              <a14:hiddenFill xmlns:a14="http://schemas.microsoft.com/office/drawing/2010/main">
+                <a:solidFill>
+                  <a:schemeClr val="accent2"/>
+                </a:solidFill>
+              </a14:hiddenFill>
+            </a:ext>
+          </a:extLst>
+        </p:spPr>
+        <p:style>
+          <a:lnRef idx="2">
+            <a:schemeClr val="accent1">
+              <a:shade val="50000"/>
+            </a:schemeClr>
+          </a:lnRef>
+          <a:fillRef idx="1">
+            <a:schemeClr val="accent1"/>
+          </a:fillRef>
+          <a:effectRef idx="0">
+            <a:schemeClr val="accent1"/>
+          </a:effectRef>
+          <a:fontRef idx="minor">
+            <a:schemeClr val="lt1"/>
+          </a:fontRef>
+        </p:style>
+        <p:txBody>
+          <a:bodyPr rtlCol="0" anchor="ctr"/>
+          <a:p>
+            <a:pPr algn="ctr"/>
+            <a:endParaRPr lang="zh-CN" altLang="en-US"/>
+          </a:p>
+        </p:txBody>
+      </p:sp>
     </p:spTree>
   </p:cSld>
   <p:clrMapOvr>
@@ -18456,7 +18659,7 @@
         </p:nvSpPr>
         <p:spPr>
           <a:xfrm>
-            <a:off x="575945" y="1902460"/>
+            <a:off x="584835" y="1902460"/>
             <a:ext cx="7805420" cy="2240915"/>
           </a:xfrm>
           <a:prstGeom prst="rect">
@@ -18513,7 +18716,7 @@
                 <a:ea typeface="微软雅黑 Light" charset="0"/>
                 <a:cs typeface="仿宋_GB2312" charset="0"/>
               </a:rPr>
-              <a:t>In 2020, there will be 181 aircrafts deployed in Beijing market, 95 are based in Capital airport, 86 are based in the new airport.</a:t>
+              <a:t>In 2020, there will be 181 aircrafts deployed in Beijing market, 95 based in Capital airport, 86 based in the new airport.</a:t>
             </a:r>
             <a:endParaRPr lang="en-US" altLang="zh-CN" sz="2000" b="0" u="none">
               <a:latin typeface="微软雅黑 Light" charset="0"/>
@@ -18543,7 +18746,7 @@
                 <a:ea typeface="微软雅黑 Light" charset="0"/>
                 <a:cs typeface="仿宋_GB2312" charset="0"/>
               </a:rPr>
-              <a:t>In 2025, total aircraft number in Beijing will reach 195. And about 44% of them are wide body aircrafts.</a:t>
+              <a:t>In 2025, total CZ aircraft in Beijing will reach 195. And about 44% of them are wide body aircrafts.</a:t>
             </a:r>
             <a:endParaRPr lang="zh-CN" altLang="en-US" sz="2000" b="0" u="none">
               <a:latin typeface="微软雅黑 Light" charset="0"/>
